--- a/Presentatie aan klas.pptx
+++ b/Presentatie aan klas.pptx
@@ -7,11 +7,11 @@
   <p:sldIdLst>
     <p:sldId id="256" r:id="rId2"/>
     <p:sldId id="257" r:id="rId3"/>
-    <p:sldId id="258" r:id="rId4"/>
-    <p:sldId id="259" r:id="rId5"/>
-    <p:sldId id="260" r:id="rId6"/>
-    <p:sldId id="261" r:id="rId7"/>
-    <p:sldId id="262" r:id="rId8"/>
+    <p:sldId id="259" r:id="rId4"/>
+    <p:sldId id="260" r:id="rId5"/>
+    <p:sldId id="261" r:id="rId6"/>
+    <p:sldId id="262" r:id="rId7"/>
+    <p:sldId id="263" r:id="rId8"/>
   </p:sldIdLst>
   <p:sldSz cx="12192000" cy="6858000"/>
   <p:notesSz cx="6858000" cy="9144000"/>
@@ -7814,18 +7814,8 @@
           <a:lstStyle/>
           <a:p>
             <a:r>
-              <a:rPr lang="en-US" dirty="0"/>
-              <a:t>Trello</a:t>
-            </a:r>
-          </a:p>
-          <a:p>
-            <a:r>
-              <a:rPr lang="en-US" dirty="0"/>
-              <a:t>Project </a:t>
-            </a:r>
-            <a:r>
               <a:rPr lang="en-US" dirty="0" err="1"/>
-              <a:t>dag</a:t>
+              <a:t>Projectdag</a:t>
             </a:r>
             <a:r>
               <a:rPr lang="en-US" dirty="0"/>
@@ -7834,12 +7824,8 @@
           </a:p>
           <a:p>
             <a:r>
-              <a:rPr lang="en-US" dirty="0"/>
-              <a:t>Project </a:t>
-            </a:r>
-            <a:r>
               <a:rPr lang="en-US" dirty="0" err="1"/>
-              <a:t>dag</a:t>
+              <a:t>Projectdag</a:t>
             </a:r>
             <a:r>
               <a:rPr lang="en-US" dirty="0"/>
@@ -7848,30 +7834,22 @@
           </a:p>
           <a:p>
             <a:r>
+              <a:rPr lang="en-US" dirty="0" err="1"/>
+              <a:t>Projectdag</a:t>
+            </a:r>
+            <a:r>
               <a:rPr lang="en-US" dirty="0"/>
-              <a:t>Project </a:t>
-            </a:r>
+              <a:t> 3</a:t>
+            </a:r>
+          </a:p>
+          <a:p>
             <a:r>
               <a:rPr lang="en-US" dirty="0" err="1"/>
-              <a:t>dag</a:t>
+              <a:t>Projectdag</a:t>
             </a:r>
             <a:r>
               <a:rPr lang="en-US" dirty="0"/>
               <a:t> 4</a:t>
-            </a:r>
-          </a:p>
-          <a:p>
-            <a:r>
-              <a:rPr lang="en-US" dirty="0"/>
-              <a:t>Project </a:t>
-            </a:r>
-            <a:r>
-              <a:rPr lang="en-US" dirty="0" err="1"/>
-              <a:t>dag</a:t>
-            </a:r>
-            <a:r>
-              <a:rPr lang="en-US" dirty="0"/>
-              <a:t> 5</a:t>
             </a:r>
           </a:p>
           <a:p>
@@ -7902,6 +7880,41 @@
 <file path=ppt/slides/slide3.xml><?xml version="1.0" encoding="utf-8"?>
 <p:sld xmlns:a="http://schemas.openxmlformats.org/drawingml/2006/main" xmlns:r="http://schemas.openxmlformats.org/officeDocument/2006/relationships" xmlns:p="http://schemas.openxmlformats.org/presentationml/2006/main">
   <p:cSld>
+    <p:bg>
+      <p:bgPr>
+        <a:gradFill rotWithShape="1">
+          <a:gsLst>
+            <a:gs pos="0">
+              <a:schemeClr val="bg2">
+                <a:tint val="96000"/>
+                <a:shade val="100000"/>
+                <a:hueMod val="270000"/>
+                <a:satMod val="200000"/>
+                <a:lumMod val="128000"/>
+              </a:schemeClr>
+            </a:gs>
+            <a:gs pos="50000">
+              <a:schemeClr val="bg2">
+                <a:shade val="100000"/>
+                <a:hueMod val="100000"/>
+                <a:satMod val="110000"/>
+                <a:lumMod val="130000"/>
+              </a:schemeClr>
+            </a:gs>
+            <a:gs pos="100000">
+              <a:schemeClr val="bg2">
+                <a:shade val="78000"/>
+                <a:hueMod val="44000"/>
+                <a:satMod val="200000"/>
+                <a:lumMod val="69000"/>
+              </a:schemeClr>
+            </a:gs>
+          </a:gsLst>
+          <a:lin ang="2520000" scaled="0"/>
+        </a:gradFill>
+        <a:effectLst/>
+      </p:bgPr>
+    </p:bg>
     <p:spTree>
       <p:nvGrpSpPr>
         <p:cNvPr id="1" name=""/>
@@ -7916,12 +7929,206 @@
           <a:chExt cx="0" cy="0"/>
         </a:xfrm>
       </p:grpSpPr>
+      <p:grpSp>
+        <p:nvGrpSpPr>
+          <p:cNvPr id="11" name="Group 10">
+            <a:extLst>
+              <a:ext uri="{FF2B5EF4-FFF2-40B4-BE49-F238E27FC236}">
+                <a16:creationId xmlns:a16="http://schemas.microsoft.com/office/drawing/2014/main" id="{7D0669C1-CDCE-41C7-A9AB-65D9119F8388}"/>
+              </a:ext>
+              <a:ext uri="{C183D7F6-B498-43B3-948B-1728B52AA6E4}">
+                <adec:decorative xmlns:adec="http://schemas.microsoft.com/office/drawing/2017/decorative" val="1"/>
+              </a:ext>
+            </a:extLst>
+          </p:cNvPr>
+          <p:cNvGrpSpPr>
+            <a:grpSpLocks noGrp="1" noUngrp="1" noRot="1" noChangeAspect="1" noMove="1" noResize="1"/>
+          </p:cNvGrpSpPr>
+          <p:nvPr>
+            <p:extLst>
+              <p:ext uri="{386F3935-93C4-4BCD-93E2-E3B085C9AB24}">
+                <p16:designElem xmlns:p16="http://schemas.microsoft.com/office/powerpoint/2015/main" val="1"/>
+              </p:ext>
+            </p:extLst>
+          </p:nvPr>
+        </p:nvGrpSpPr>
+        <p:grpSpPr>
+          <a:xfrm>
+            <a:off x="-3176" y="0"/>
+            <a:ext cx="12192000" cy="6858001"/>
+            <a:chOff x="-3176" y="0"/>
+            <a:chExt cx="12192000" cy="6858001"/>
+          </a:xfrm>
+        </p:grpSpPr>
+        <p:sp useBgFill="1">
+          <p:nvSpPr>
+            <p:cNvPr id="12" name="Rectangle 11">
+              <a:extLst>
+                <a:ext uri="{FF2B5EF4-FFF2-40B4-BE49-F238E27FC236}">
+                  <a16:creationId xmlns:a16="http://schemas.microsoft.com/office/drawing/2014/main" id="{1F80B4EE-271C-45C6-9338-555D3B0C4A6C}"/>
+                </a:ext>
+                <a:ext uri="{C183D7F6-B498-43B3-948B-1728B52AA6E4}">
+                  <adec:decorative xmlns:adec="http://schemas.microsoft.com/office/drawing/2017/decorative" val="1"/>
+                </a:ext>
+              </a:extLst>
+            </p:cNvPr>
+            <p:cNvSpPr/>
+            <p:nvPr>
+              <p:extLst>
+                <p:ext uri="{386F3935-93C4-4BCD-93E2-E3B085C9AB24}">
+                  <p16:designElem xmlns:p16="http://schemas.microsoft.com/office/powerpoint/2015/main" val="1"/>
+                </p:ext>
+              </p:extLst>
+            </p:nvPr>
+          </p:nvSpPr>
+          <p:spPr>
+            <a:xfrm>
+              <a:off x="0" y="0"/>
+              <a:ext cx="12188824" cy="6858001"/>
+            </a:xfrm>
+            <a:prstGeom prst="rect">
+              <a:avLst/>
+            </a:prstGeom>
+            <a:ln>
+              <a:noFill/>
+            </a:ln>
+          </p:spPr>
+          <p:style>
+            <a:lnRef idx="2">
+              <a:schemeClr val="accent1">
+                <a:shade val="50000"/>
+              </a:schemeClr>
+            </a:lnRef>
+            <a:fillRef idx="1">
+              <a:schemeClr val="accent1"/>
+            </a:fillRef>
+            <a:effectRef idx="0">
+              <a:schemeClr val="accent1"/>
+            </a:effectRef>
+            <a:fontRef idx="minor">
+              <a:schemeClr val="lt1"/>
+            </a:fontRef>
+          </p:style>
+          <p:txBody>
+            <a:bodyPr rtlCol="0" anchor="ctr"/>
+            <a:lstStyle/>
+            <a:p>
+              <a:pPr algn="ctr"/>
+              <a:endParaRPr lang="en-US"/>
+            </a:p>
+          </p:txBody>
+        </p:sp>
+        <p:pic>
+          <p:nvPicPr>
+            <p:cNvPr id="13" name="Picture 12">
+              <a:extLst>
+                <a:ext uri="{FF2B5EF4-FFF2-40B4-BE49-F238E27FC236}">
+                  <a16:creationId xmlns:a16="http://schemas.microsoft.com/office/drawing/2014/main" id="{6FCF3DCC-E585-4F88-8F8B-4EABFEF062C5}"/>
+                </a:ext>
+                <a:ext uri="{C183D7F6-B498-43B3-948B-1728B52AA6E4}">
+                  <adec:decorative xmlns:adec="http://schemas.microsoft.com/office/drawing/2017/decorative" val="1"/>
+                </a:ext>
+              </a:extLst>
+            </p:cNvPr>
+            <p:cNvPicPr>
+              <a:picLocks noChangeAspect="1"/>
+            </p:cNvPicPr>
+            <p:nvPr>
+              <p:extLst>
+                <p:ext uri="{386F3935-93C4-4BCD-93E2-E3B085C9AB24}">
+                  <p16:designElem xmlns:p16="http://schemas.microsoft.com/office/powerpoint/2015/main" val="1"/>
+                </p:ext>
+              </p:extLst>
+            </p:nvPr>
+          </p:nvPicPr>
+          <p:blipFill>
+            <a:blip r:embed="rId2">
+              <a:alphaModFix amt="10000"/>
+              <a:extLst>
+                <a:ext uri="{28A0092B-C50C-407E-A947-70E740481C1C}">
+                  <a14:useLocalDpi xmlns:a14="http://schemas.microsoft.com/office/drawing/2010/main" val="0"/>
+                </a:ext>
+              </a:extLst>
+            </a:blip>
+            <a:stretch>
+              <a:fillRect/>
+            </a:stretch>
+          </p:blipFill>
+          <p:spPr>
+            <a:xfrm>
+              <a:off x="-3176" y="0"/>
+              <a:ext cx="12192000" cy="6858000"/>
+            </a:xfrm>
+            <a:prstGeom prst="rect">
+              <a:avLst/>
+            </a:prstGeom>
+          </p:spPr>
+        </p:pic>
+      </p:grpSp>
+      <p:sp>
+        <p:nvSpPr>
+          <p:cNvPr id="15" name="Rectangle 14">
+            <a:extLst>
+              <a:ext uri="{FF2B5EF4-FFF2-40B4-BE49-F238E27FC236}">
+                <a16:creationId xmlns:a16="http://schemas.microsoft.com/office/drawing/2014/main" id="{F1AACF4D-AF22-463C-97CE-C34F0783C086}"/>
+              </a:ext>
+              <a:ext uri="{C183D7F6-B498-43B3-948B-1728B52AA6E4}">
+                <adec:decorative xmlns:adec="http://schemas.microsoft.com/office/drawing/2017/decorative" val="1"/>
+              </a:ext>
+            </a:extLst>
+          </p:cNvPr>
+          <p:cNvSpPr>
+            <a:spLocks noGrp="1" noRot="1" noChangeAspect="1" noMove="1" noResize="1" noEditPoints="1" noAdjustHandles="1" noChangeArrowheads="1" noChangeShapeType="1" noTextEdit="1"/>
+          </p:cNvSpPr>
+          <p:nvPr>
+            <p:extLst>
+              <p:ext uri="{386F3935-93C4-4BCD-93E2-E3B085C9AB24}">
+                <p16:designElem xmlns:p16="http://schemas.microsoft.com/office/powerpoint/2015/main" val="1"/>
+              </p:ext>
+            </p:extLst>
+          </p:nvPr>
+        </p:nvSpPr>
+        <p:spPr bwMode="grayWhite">
+          <a:xfrm>
+            <a:off x="2" y="609600"/>
+            <a:ext cx="6499753" cy="1368198"/>
+          </a:xfrm>
+          <a:prstGeom prst="rect">
+            <a:avLst/>
+          </a:prstGeom>
+          <a:solidFill>
+            <a:schemeClr val="bg1">
+              <a:lumMod val="85000"/>
+              <a:lumOff val="15000"/>
+            </a:schemeClr>
+          </a:solidFill>
+          <a:ln>
+            <a:noFill/>
+          </a:ln>
+        </p:spPr>
+        <p:style>
+          <a:lnRef idx="2">
+            <a:schemeClr val="accent1">
+              <a:shade val="50000"/>
+            </a:schemeClr>
+          </a:lnRef>
+          <a:fillRef idx="1">
+            <a:schemeClr val="accent1"/>
+          </a:fillRef>
+          <a:effectRef idx="0">
+            <a:schemeClr val="accent1"/>
+          </a:effectRef>
+          <a:fontRef idx="minor">
+            <a:schemeClr val="lt1"/>
+          </a:fontRef>
+        </p:style>
+      </p:sp>
       <p:sp>
         <p:nvSpPr>
           <p:cNvPr id="2" name="Titel 1">
             <a:extLst>
               <a:ext uri="{FF2B5EF4-FFF2-40B4-BE49-F238E27FC236}">
-                <a16:creationId xmlns:a16="http://schemas.microsoft.com/office/drawing/2014/main" id="{28770495-02CB-4626-BF7F-9B17CFAD4977}"/>
+                <a16:creationId xmlns:a16="http://schemas.microsoft.com/office/drawing/2014/main" id="{1CFDB296-F507-4E36-B54D-5D206C00332F}"/>
               </a:ext>
             </a:extLst>
           </p:cNvPr>
@@ -7932,25 +8139,77 @@
             <p:ph type="title"/>
           </p:nvPr>
         </p:nvSpPr>
-        <p:spPr/>
-        <p:txBody>
-          <a:bodyPr/>
+        <p:spPr>
+          <a:xfrm>
+            <a:off x="680321" y="753228"/>
+            <a:ext cx="5632247" cy="1080938"/>
+          </a:xfrm>
+        </p:spPr>
+        <p:txBody>
+          <a:bodyPr>
+            <a:normAutofit/>
+          </a:bodyPr>
           <a:lstStyle/>
           <a:p>
             <a:r>
-              <a:rPr lang="en-US" dirty="0"/>
-              <a:t>Trello</a:t>
+              <a:rPr lang="en-US"/>
+              <a:t>Projectdag 1</a:t>
             </a:r>
             <a:endParaRPr lang="nl-NL" dirty="0"/>
           </a:p>
         </p:txBody>
       </p:sp>
+      <p:pic>
+        <p:nvPicPr>
+          <p:cNvPr id="17" name="Picture 16">
+            <a:extLst>
+              <a:ext uri="{FF2B5EF4-FFF2-40B4-BE49-F238E27FC236}">
+                <a16:creationId xmlns:a16="http://schemas.microsoft.com/office/drawing/2014/main" id="{6524329A-37E7-4025-B6E9-A97D40536894}"/>
+              </a:ext>
+              <a:ext uri="{C183D7F6-B498-43B3-948B-1728B52AA6E4}">
+                <adec:decorative xmlns:adec="http://schemas.microsoft.com/office/drawing/2017/decorative" val="1"/>
+              </a:ext>
+            </a:extLst>
+          </p:cNvPr>
+          <p:cNvPicPr>
+            <a:picLocks noGrp="1" noRot="1" noChangeAspect="1" noMove="1" noResize="1" noEditPoints="1" noAdjustHandles="1" noChangeArrowheads="1" noChangeShapeType="1" noCrop="1"/>
+          </p:cNvPicPr>
+          <p:nvPr>
+            <p:extLst>
+              <p:ext uri="{386F3935-93C4-4BCD-93E2-E3B085C9AB24}">
+                <p16:designElem xmlns:p16="http://schemas.microsoft.com/office/powerpoint/2015/main" val="1"/>
+              </p:ext>
+            </p:extLst>
+          </p:nvPr>
+        </p:nvPicPr>
+        <p:blipFill>
+          <a:blip r:embed="rId3">
+            <a:extLst>
+              <a:ext uri="{28A0092B-C50C-407E-A947-70E740481C1C}">
+                <a14:useLocalDpi xmlns:a14="http://schemas.microsoft.com/office/drawing/2010/main" val="0"/>
+              </a:ext>
+            </a:extLst>
+          </a:blip>
+          <a:stretch>
+            <a:fillRect/>
+          </a:stretch>
+        </p:blipFill>
+        <p:spPr>
+          <a:xfrm>
+            <a:off x="2" y="1970240"/>
+            <a:ext cx="6492240" cy="261714"/>
+          </a:xfrm>
+          <a:prstGeom prst="rect">
+            <a:avLst/>
+          </a:prstGeom>
+        </p:spPr>
+      </p:pic>
       <p:sp>
         <p:nvSpPr>
           <p:cNvPr id="3" name="Tijdelijke aanduiding voor inhoud 2">
             <a:extLst>
               <a:ext uri="{FF2B5EF4-FFF2-40B4-BE49-F238E27FC236}">
-                <a16:creationId xmlns:a16="http://schemas.microsoft.com/office/drawing/2014/main" id="{D6B95215-D112-41CF-B960-45F049643749}"/>
+                <a16:creationId xmlns:a16="http://schemas.microsoft.com/office/drawing/2014/main" id="{868BEB9B-49A9-4415-B557-5D3A8BB9269A}"/>
               </a:ext>
             </a:extLst>
           </p:cNvPr>
@@ -7961,36 +8220,55 @@
             <p:ph idx="1"/>
           </p:nvPr>
         </p:nvSpPr>
-        <p:spPr/>
-        <p:txBody>
-          <a:bodyPr/>
+        <p:spPr>
+          <a:xfrm>
+            <a:off x="680322" y="2368028"/>
+            <a:ext cx="5632246" cy="3599316"/>
+          </a:xfrm>
+        </p:spPr>
+        <p:txBody>
+          <a:bodyPr>
+            <a:normAutofit/>
+          </a:bodyPr>
           <a:lstStyle/>
           <a:p>
             <a:r>
-              <a:rPr lang="en-US" dirty="0" err="1"/>
-              <a:t>Taakverdeling</a:t>
-            </a:r>
-            <a:endParaRPr lang="en-US" dirty="0"/>
-          </a:p>
-          <a:p>
-            <a:r>
-              <a:rPr lang="en-US" dirty="0"/>
-              <a:t>Wie wat </a:t>
-            </a:r>
-            <a:r>
-              <a:rPr lang="en-US" dirty="0" err="1"/>
-              <a:t>doen</a:t>
-            </a:r>
-            <a:endParaRPr lang="nl-NL" dirty="0"/>
+              <a:rPr lang="en-US" sz="2000" dirty="0"/>
+              <a:t>Trello</a:t>
+            </a:r>
+          </a:p>
+          <a:p>
+            <a:r>
+              <a:rPr lang="en-US" sz="2000" dirty="0" err="1"/>
+              <a:t>Github</a:t>
+            </a:r>
+            <a:endParaRPr lang="en-US" sz="2000" dirty="0"/>
+          </a:p>
+          <a:p>
+            <a:r>
+              <a:rPr lang="en-US" sz="2000" dirty="0"/>
+              <a:t>Design </a:t>
+            </a:r>
+            <a:r>
+              <a:rPr lang="en-US" sz="2000" dirty="0" err="1"/>
+              <a:t>maken</a:t>
+            </a:r>
+            <a:endParaRPr lang="en-US" sz="2000" dirty="0"/>
+          </a:p>
+          <a:p>
+            <a:r>
+              <a:rPr lang="en-US" sz="2000" dirty="0"/>
+              <a:t>Google chart</a:t>
+            </a:r>
           </a:p>
         </p:txBody>
       </p:sp>
       <p:pic>
         <p:nvPicPr>
-          <p:cNvPr id="4" name="Afbeelding 3">
+          <p:cNvPr id="5" name="Afbeelding 4" descr="Afbeelding met schermafbeelding&#10;&#10;Beschrijving is gegenereerd met zeer hoge betrouwbaarheid">
             <a:extLst>
               <a:ext uri="{FF2B5EF4-FFF2-40B4-BE49-F238E27FC236}">
-                <a16:creationId xmlns:a16="http://schemas.microsoft.com/office/drawing/2014/main" id="{0875C26E-1468-470B-AEC5-1E80F62DA37B}"/>
+                <a16:creationId xmlns:a16="http://schemas.microsoft.com/office/drawing/2014/main" id="{D10E68FF-B123-4E89-ABA7-B51520C17F69}"/>
               </a:ext>
             </a:extLst>
           </p:cNvPr>
@@ -7999,26 +8277,74 @@
           </p:cNvPicPr>
           <p:nvPr/>
         </p:nvPicPr>
-        <p:blipFill>
-          <a:blip r:embed="rId2"/>
-          <a:stretch>
-            <a:fillRect/>
-          </a:stretch>
+        <p:blipFill rotWithShape="1">
+          <a:blip r:embed="rId4"/>
+          <a:srcRect l="1270" r="8053"/>
+          <a:stretch/>
         </p:blipFill>
         <p:spPr>
           <a:xfrm>
-            <a:off x="4508149" y="2227898"/>
-            <a:ext cx="7003530" cy="3708291"/>
+            <a:off x="7172561" y="222551"/>
+            <a:ext cx="4829688" cy="2942764"/>
           </a:xfrm>
           <a:prstGeom prst="rect">
             <a:avLst/>
           </a:prstGeom>
+          <a:ln>
+            <a:noFill/>
+          </a:ln>
+          <a:effectLst>
+            <a:outerShdw blurRad="76200" dist="63500" dir="5040000" algn="tl" rotWithShape="0">
+              <a:srgbClr val="000000">
+                <a:alpha val="41000"/>
+              </a:srgbClr>
+            </a:outerShdw>
+          </a:effectLst>
+        </p:spPr>
+      </p:pic>
+      <p:pic>
+        <p:nvPicPr>
+          <p:cNvPr id="6" name="Afbeelding 5" descr="Afbeelding met sneeuw&#10;&#10;Beschrijving is gegenereerd met hoge betrouwbaarheid">
+            <a:extLst>
+              <a:ext uri="{FF2B5EF4-FFF2-40B4-BE49-F238E27FC236}">
+                <a16:creationId xmlns:a16="http://schemas.microsoft.com/office/drawing/2014/main" id="{2C562913-663F-4661-9917-4310ABE45F99}"/>
+              </a:ext>
+            </a:extLst>
+          </p:cNvPr>
+          <p:cNvPicPr>
+            <a:picLocks noChangeAspect="1"/>
+          </p:cNvPicPr>
+          <p:nvPr/>
+        </p:nvPicPr>
+        <p:blipFill rotWithShape="1">
+          <a:blip r:embed="rId5"/>
+          <a:srcRect r="62317" b="32814"/>
+          <a:stretch/>
+        </p:blipFill>
+        <p:spPr>
+          <a:xfrm>
+            <a:off x="4325014" y="3273910"/>
+            <a:ext cx="3694812" cy="3491439"/>
+          </a:xfrm>
+          <a:prstGeom prst="rect">
+            <a:avLst/>
+          </a:prstGeom>
+          <a:ln>
+            <a:noFill/>
+          </a:ln>
+          <a:effectLst>
+            <a:outerShdw blurRad="76200" dist="63500" dir="5040000" algn="tl" rotWithShape="0">
+              <a:srgbClr val="000000">
+                <a:alpha val="41000"/>
+              </a:srgbClr>
+            </a:outerShdw>
+          </a:effectLst>
         </p:spPr>
       </p:pic>
     </p:spTree>
     <p:extLst>
       <p:ext uri="{BB962C8B-B14F-4D97-AF65-F5344CB8AC3E}">
-        <p14:creationId xmlns:p14="http://schemas.microsoft.com/office/powerpoint/2010/main" val="2943010236"/>
+        <p14:creationId xmlns:p14="http://schemas.microsoft.com/office/powerpoint/2010/main" val="531398346"/>
       </p:ext>
     </p:extLst>
   </p:cSld>
@@ -8050,7 +8376,7 @@
           <p:cNvPr id="2" name="Titel 1">
             <a:extLst>
               <a:ext uri="{FF2B5EF4-FFF2-40B4-BE49-F238E27FC236}">
-                <a16:creationId xmlns:a16="http://schemas.microsoft.com/office/drawing/2014/main" id="{1CFDB296-F507-4E36-B54D-5D206C00332F}"/>
+                <a16:creationId xmlns:a16="http://schemas.microsoft.com/office/drawing/2014/main" id="{CFEE8150-963D-44D3-8091-C67AB7273695}"/>
               </a:ext>
             </a:extLst>
           </p:cNvPr>
@@ -8067,16 +8393,12 @@
           <a:lstStyle/>
           <a:p>
             <a:r>
+              <a:rPr lang="en-US" dirty="0" err="1"/>
+              <a:t>Projectdag</a:t>
+            </a:r>
+            <a:r>
               <a:rPr lang="en-US" dirty="0"/>
-              <a:t>Project </a:t>
-            </a:r>
-            <a:r>
-              <a:rPr lang="en-US" dirty="0" err="1"/>
-              <a:t>dag</a:t>
-            </a:r>
-            <a:r>
-              <a:rPr lang="en-US" dirty="0"/>
-              <a:t> 1</a:t>
+              <a:t> 2</a:t>
             </a:r>
             <a:endParaRPr lang="nl-NL" dirty="0"/>
           </a:p>
@@ -8087,7 +8409,7 @@
           <p:cNvPr id="3" name="Tijdelijke aanduiding voor inhoud 2">
             <a:extLst>
               <a:ext uri="{FF2B5EF4-FFF2-40B4-BE49-F238E27FC236}">
-                <a16:creationId xmlns:a16="http://schemas.microsoft.com/office/drawing/2014/main" id="{868BEB9B-49A9-4415-B557-5D3A8BB9269A}"/>
+                <a16:creationId xmlns:a16="http://schemas.microsoft.com/office/drawing/2014/main" id="{1B004ECA-8872-42C8-A708-597D10217EF7}"/>
               </a:ext>
             </a:extLst>
           </p:cNvPr>
@@ -8104,26 +8426,26 @@
           <a:lstStyle/>
           <a:p>
             <a:r>
+              <a:rPr lang="en-US" dirty="0" err="1"/>
+              <a:t>Beginnen</a:t>
+            </a:r>
+            <a:r>
               <a:rPr lang="en-US" dirty="0"/>
-              <a:t>Trello</a:t>
-            </a:r>
-          </a:p>
-          <a:p>
+              <a:t> </a:t>
+            </a:r>
             <a:r>
               <a:rPr lang="en-US" dirty="0" err="1"/>
-              <a:t>Github</a:t>
+              <a:t>aan</a:t>
+            </a:r>
+            <a:r>
+              <a:rPr lang="en-US" dirty="0"/>
+              <a:t> </a:t>
+            </a:r>
+            <a:r>
+              <a:rPr lang="en-US" dirty="0" err="1"/>
+              <a:t>coderen</a:t>
             </a:r>
             <a:endParaRPr lang="en-US" dirty="0"/>
-          </a:p>
-          <a:p>
-            <a:r>
-              <a:rPr lang="en-US" dirty="0" err="1"/>
-              <a:t>Installeren</a:t>
-            </a:r>
-            <a:r>
-              <a:rPr lang="en-US" dirty="0"/>
-              <a:t> Electron</a:t>
-            </a:r>
           </a:p>
           <a:p>
             <a:r>
@@ -8132,53 +8454,38 @@
             </a:r>
             <a:r>
               <a:rPr lang="en-US" dirty="0" err="1"/>
-              <a:t>maken</a:t>
+              <a:t>realiseren</a:t>
             </a:r>
             <a:endParaRPr lang="en-US" dirty="0"/>
           </a:p>
           <a:p>
             <a:r>
               <a:rPr lang="en-US" dirty="0"/>
-              <a:t>API</a:t>
+              <a:t>Electron </a:t>
+            </a:r>
+            <a:r>
+              <a:rPr lang="en-US" dirty="0" err="1"/>
+              <a:t>installeren</a:t>
+            </a:r>
+            <a:endParaRPr lang="en-US" dirty="0"/>
+          </a:p>
+          <a:p>
+            <a:r>
+              <a:rPr lang="en-US" dirty="0"/>
+              <a:t>APP </a:t>
+            </a:r>
+            <a:r>
+              <a:rPr lang="en-US" dirty="0" err="1"/>
+              <a:t>testen</a:t>
             </a:r>
             <a:endParaRPr lang="nl-NL" dirty="0"/>
           </a:p>
         </p:txBody>
       </p:sp>
-      <p:pic>
-        <p:nvPicPr>
-          <p:cNvPr id="5" name="Afbeelding 4">
-            <a:extLst>
-              <a:ext uri="{FF2B5EF4-FFF2-40B4-BE49-F238E27FC236}">
-                <a16:creationId xmlns:a16="http://schemas.microsoft.com/office/drawing/2014/main" id="{D10E68FF-B123-4E89-ABA7-B51520C17F69}"/>
-              </a:ext>
-            </a:extLst>
-          </p:cNvPr>
-          <p:cNvPicPr>
-            <a:picLocks noChangeAspect="1"/>
-          </p:cNvPicPr>
-          <p:nvPr/>
-        </p:nvPicPr>
-        <p:blipFill>
-          <a:blip r:embed="rId2"/>
-          <a:stretch>
-            <a:fillRect/>
-          </a:stretch>
-        </p:blipFill>
-        <p:spPr>
-          <a:xfrm>
-            <a:off x="5306494" y="2258007"/>
-            <a:ext cx="6500007" cy="3599316"/>
-          </a:xfrm>
-          <a:prstGeom prst="rect">
-            <a:avLst/>
-          </a:prstGeom>
-        </p:spPr>
-      </p:pic>
     </p:spTree>
     <p:extLst>
       <p:ext uri="{BB962C8B-B14F-4D97-AF65-F5344CB8AC3E}">
-        <p14:creationId xmlns:p14="http://schemas.microsoft.com/office/powerpoint/2010/main" val="531398346"/>
+        <p14:creationId xmlns:p14="http://schemas.microsoft.com/office/powerpoint/2010/main" val="4242146956"/>
       </p:ext>
     </p:extLst>
   </p:cSld>
@@ -8210,150 +8517,6 @@
           <p:cNvPr id="2" name="Titel 1">
             <a:extLst>
               <a:ext uri="{FF2B5EF4-FFF2-40B4-BE49-F238E27FC236}">
-                <a16:creationId xmlns:a16="http://schemas.microsoft.com/office/drawing/2014/main" id="{CFEE8150-963D-44D3-8091-C67AB7273695}"/>
-              </a:ext>
-            </a:extLst>
-          </p:cNvPr>
-          <p:cNvSpPr>
-            <a:spLocks noGrp="1"/>
-          </p:cNvSpPr>
-          <p:nvPr>
-            <p:ph type="title"/>
-          </p:nvPr>
-        </p:nvSpPr>
-        <p:spPr/>
-        <p:txBody>
-          <a:bodyPr/>
-          <a:lstStyle/>
-          <a:p>
-            <a:r>
-              <a:rPr lang="en-US" dirty="0"/>
-              <a:t>Project </a:t>
-            </a:r>
-            <a:r>
-              <a:rPr lang="en-US" dirty="0" err="1"/>
-              <a:t>dag</a:t>
-            </a:r>
-            <a:r>
-              <a:rPr lang="en-US" dirty="0"/>
-              <a:t> 2</a:t>
-            </a:r>
-            <a:endParaRPr lang="nl-NL" dirty="0"/>
-          </a:p>
-        </p:txBody>
-      </p:sp>
-      <p:sp>
-        <p:nvSpPr>
-          <p:cNvPr id="3" name="Tijdelijke aanduiding voor inhoud 2">
-            <a:extLst>
-              <a:ext uri="{FF2B5EF4-FFF2-40B4-BE49-F238E27FC236}">
-                <a16:creationId xmlns:a16="http://schemas.microsoft.com/office/drawing/2014/main" id="{1B004ECA-8872-42C8-A708-597D10217EF7}"/>
-              </a:ext>
-            </a:extLst>
-          </p:cNvPr>
-          <p:cNvSpPr>
-            <a:spLocks noGrp="1"/>
-          </p:cNvSpPr>
-          <p:nvPr>
-            <p:ph idx="1"/>
-          </p:nvPr>
-        </p:nvSpPr>
-        <p:spPr/>
-        <p:txBody>
-          <a:bodyPr/>
-          <a:lstStyle/>
-          <a:p>
-            <a:r>
-              <a:rPr lang="en-US" dirty="0" err="1"/>
-              <a:t>Beginnen</a:t>
-            </a:r>
-            <a:r>
-              <a:rPr lang="en-US" dirty="0"/>
-              <a:t> </a:t>
-            </a:r>
-            <a:r>
-              <a:rPr lang="en-US" dirty="0" err="1"/>
-              <a:t>aan</a:t>
-            </a:r>
-            <a:r>
-              <a:rPr lang="en-US" dirty="0"/>
-              <a:t> codes</a:t>
-            </a:r>
-          </a:p>
-          <a:p>
-            <a:r>
-              <a:rPr lang="en-US" dirty="0"/>
-              <a:t>Design in website </a:t>
-            </a:r>
-            <a:r>
-              <a:rPr lang="en-US" dirty="0" err="1"/>
-              <a:t>plaatsen</a:t>
-            </a:r>
-            <a:endParaRPr lang="en-US" dirty="0"/>
-          </a:p>
-          <a:p>
-            <a:r>
-              <a:rPr lang="en-US" dirty="0" err="1"/>
-              <a:t>Grapje</a:t>
-            </a:r>
-            <a:r>
-              <a:rPr lang="en-US" dirty="0"/>
-              <a:t> </a:t>
-            </a:r>
-            <a:r>
-              <a:rPr lang="en-US" dirty="0" err="1"/>
-              <a:t>Batuhan</a:t>
-            </a:r>
-            <a:endParaRPr lang="en-US" dirty="0"/>
-          </a:p>
-          <a:p>
-            <a:r>
-              <a:rPr lang="en-US" dirty="0"/>
-              <a:t>APP </a:t>
-            </a:r>
-            <a:r>
-              <a:rPr lang="en-US" dirty="0" err="1"/>
-              <a:t>testen</a:t>
-            </a:r>
-            <a:endParaRPr lang="nl-NL" dirty="0"/>
-          </a:p>
-        </p:txBody>
-      </p:sp>
-    </p:spTree>
-    <p:extLst>
-      <p:ext uri="{BB962C8B-B14F-4D97-AF65-F5344CB8AC3E}">
-        <p14:creationId xmlns:p14="http://schemas.microsoft.com/office/powerpoint/2010/main" val="4242146956"/>
-      </p:ext>
-    </p:extLst>
-  </p:cSld>
-  <p:clrMapOvr>
-    <a:masterClrMapping/>
-  </p:clrMapOvr>
-</p:sld>
-</file>
-
-<file path=ppt/slides/slide6.xml><?xml version="1.0" encoding="utf-8"?>
-<p:sld xmlns:a="http://schemas.openxmlformats.org/drawingml/2006/main" xmlns:r="http://schemas.openxmlformats.org/officeDocument/2006/relationships" xmlns:p="http://schemas.openxmlformats.org/presentationml/2006/main">
-  <p:cSld>
-    <p:spTree>
-      <p:nvGrpSpPr>
-        <p:cNvPr id="1" name=""/>
-        <p:cNvGrpSpPr/>
-        <p:nvPr/>
-      </p:nvGrpSpPr>
-      <p:grpSpPr>
-        <a:xfrm>
-          <a:off x="0" y="0"/>
-          <a:ext cx="0" cy="0"/>
-          <a:chOff x="0" y="0"/>
-          <a:chExt cx="0" cy="0"/>
-        </a:xfrm>
-      </p:grpSpPr>
-      <p:sp>
-        <p:nvSpPr>
-          <p:cNvPr id="2" name="Titel 1">
-            <a:extLst>
-              <a:ext uri="{FF2B5EF4-FFF2-40B4-BE49-F238E27FC236}">
                 <a16:creationId xmlns:a16="http://schemas.microsoft.com/office/drawing/2014/main" id="{B733E153-49A6-4E14-AB47-2C644294AF7E}"/>
               </a:ext>
             </a:extLst>
@@ -8371,16 +8534,12 @@
           <a:lstStyle/>
           <a:p>
             <a:r>
+              <a:rPr lang="en-US" dirty="0" err="1"/>
+              <a:t>Projectdag</a:t>
+            </a:r>
+            <a:r>
               <a:rPr lang="en-US" dirty="0"/>
-              <a:t>Project </a:t>
-            </a:r>
-            <a:r>
-              <a:rPr lang="en-US" dirty="0" err="1"/>
-              <a:t>dag</a:t>
-            </a:r>
-            <a:r>
-              <a:rPr lang="en-US" dirty="0"/>
-              <a:t> 4</a:t>
+              <a:t> 3</a:t>
             </a:r>
             <a:endParaRPr lang="nl-NL" dirty="0"/>
           </a:p>
@@ -8437,12 +8596,8 @@
           </a:p>
           <a:p>
             <a:r>
-              <a:rPr lang="en-US" dirty="0"/>
-              <a:t>APP </a:t>
-            </a:r>
-            <a:r>
               <a:rPr lang="en-US" dirty="0" err="1"/>
-              <a:t>gebruiken</a:t>
+              <a:t>Desktopapplicatie</a:t>
             </a:r>
             <a:endParaRPr lang="en-US" dirty="0"/>
           </a:p>
@@ -8467,7 +8622,7 @@
 </p:sld>
 </file>
 
-<file path=ppt/slides/slide7.xml><?xml version="1.0" encoding="utf-8"?>
+<file path=ppt/slides/slide6.xml><?xml version="1.0" encoding="utf-8"?>
 <p:sld xmlns:a="http://schemas.openxmlformats.org/drawingml/2006/main" xmlns:r="http://schemas.openxmlformats.org/officeDocument/2006/relationships" xmlns:p="http://schemas.openxmlformats.org/presentationml/2006/main">
   <p:cSld>
     <p:bg>
@@ -8772,10 +8927,14 @@
           <a:lstStyle/>
           <a:p>
             <a:r>
-              <a:rPr lang="en-US" sz="2400"/>
-              <a:t>Project dag 5</a:t>
-            </a:r>
-            <a:endParaRPr lang="nl-NL" sz="2400"/>
+              <a:rPr lang="en-US" sz="2400" dirty="0" err="1"/>
+              <a:t>Projectdag</a:t>
+            </a:r>
+            <a:r>
+              <a:rPr lang="en-US" sz="2400" dirty="0"/>
+              <a:t> 4</a:t>
+            </a:r>
+            <a:endParaRPr lang="nl-NL" sz="2400" dirty="0"/>
           </a:p>
         </p:txBody>
       </p:sp>
@@ -8853,16 +9012,60 @@
           <a:lstStyle/>
           <a:p>
             <a:r>
-              <a:rPr lang="en-US" sz="1400"/>
-              <a:t>Kijken of alles klopt</a:t>
-            </a:r>
-          </a:p>
-          <a:p>
-            <a:r>
-              <a:rPr lang="en-US" sz="1400"/>
-              <a:t>Laatste puntjes op de i zetten</a:t>
-            </a:r>
-            <a:endParaRPr lang="nl-NL" sz="1400"/>
+              <a:rPr lang="en-US" sz="1400" dirty="0" err="1"/>
+              <a:t>Kijken</a:t>
+            </a:r>
+            <a:r>
+              <a:rPr lang="en-US" sz="1400" dirty="0"/>
+              <a:t> of </a:t>
+            </a:r>
+            <a:r>
+              <a:rPr lang="en-US" sz="1400" dirty="0" err="1"/>
+              <a:t>alles</a:t>
+            </a:r>
+            <a:r>
+              <a:rPr lang="en-US" sz="1400" dirty="0"/>
+              <a:t> </a:t>
+            </a:r>
+            <a:r>
+              <a:rPr lang="en-US" sz="1400" dirty="0" err="1"/>
+              <a:t>klopt</a:t>
+            </a:r>
+            <a:endParaRPr lang="en-US" sz="1400" dirty="0"/>
+          </a:p>
+          <a:p>
+            <a:r>
+              <a:rPr lang="en-US" sz="1400" dirty="0" err="1"/>
+              <a:t>Laatste</a:t>
+            </a:r>
+            <a:r>
+              <a:rPr lang="en-US" sz="1400" dirty="0"/>
+              <a:t> </a:t>
+            </a:r>
+            <a:r>
+              <a:rPr lang="en-US" sz="1400" dirty="0" err="1"/>
+              <a:t>puntjes</a:t>
+            </a:r>
+            <a:r>
+              <a:rPr lang="en-US" sz="1400" dirty="0"/>
+              <a:t> op de </a:t>
+            </a:r>
+            <a:r>
+              <a:rPr lang="en-US" sz="1400" dirty="0" err="1"/>
+              <a:t>i</a:t>
+            </a:r>
+            <a:r>
+              <a:rPr lang="en-US" sz="1400" dirty="0"/>
+              <a:t> </a:t>
+            </a:r>
+            <a:r>
+              <a:rPr lang="en-US" sz="1400" dirty="0" err="1"/>
+              <a:t>zetten</a:t>
+            </a:r>
+            <a:endParaRPr lang="en-US" sz="1400" dirty="0"/>
+          </a:p>
+          <a:p>
+            <a:endParaRPr lang="nl-NL" sz="1400" dirty="0"/>
           </a:p>
         </p:txBody>
       </p:sp>
@@ -8910,6 +9113,90 @@
     <p:extLst>
       <p:ext uri="{BB962C8B-B14F-4D97-AF65-F5344CB8AC3E}">
         <p14:creationId xmlns:p14="http://schemas.microsoft.com/office/powerpoint/2010/main" val="1688321253"/>
+      </p:ext>
+    </p:extLst>
+  </p:cSld>
+  <p:clrMapOvr>
+    <a:masterClrMapping/>
+  </p:clrMapOvr>
+</p:sld>
+</file>
+
+<file path=ppt/slides/slide7.xml><?xml version="1.0" encoding="utf-8"?>
+<p:sld xmlns:a="http://schemas.openxmlformats.org/drawingml/2006/main" xmlns:r="http://schemas.openxmlformats.org/officeDocument/2006/relationships" xmlns:p="http://schemas.openxmlformats.org/presentationml/2006/main">
+  <p:cSld>
+    <p:spTree>
+      <p:nvGrpSpPr>
+        <p:cNvPr id="1" name=""/>
+        <p:cNvGrpSpPr/>
+        <p:nvPr/>
+      </p:nvGrpSpPr>
+      <p:grpSpPr>
+        <a:xfrm>
+          <a:off x="0" y="0"/>
+          <a:ext cx="0" cy="0"/>
+          <a:chOff x="0" y="0"/>
+          <a:chExt cx="0" cy="0"/>
+        </a:xfrm>
+      </p:grpSpPr>
+      <p:sp>
+        <p:nvSpPr>
+          <p:cNvPr id="2" name="Titel 1">
+            <a:extLst>
+              <a:ext uri="{FF2B5EF4-FFF2-40B4-BE49-F238E27FC236}">
+                <a16:creationId xmlns:a16="http://schemas.microsoft.com/office/drawing/2014/main" id="{ED6C0EC0-6D2F-4FFF-85D3-3A435BA32F6B}"/>
+              </a:ext>
+            </a:extLst>
+          </p:cNvPr>
+          <p:cNvSpPr>
+            <a:spLocks noGrp="1"/>
+          </p:cNvSpPr>
+          <p:nvPr>
+            <p:ph type="title"/>
+          </p:nvPr>
+        </p:nvSpPr>
+        <p:spPr/>
+        <p:txBody>
+          <a:bodyPr/>
+          <a:lstStyle/>
+          <a:p>
+            <a:r>
+              <a:rPr lang="en-US" dirty="0" err="1"/>
+              <a:t>Reflectie</a:t>
+            </a:r>
+            <a:endParaRPr lang="nl-NL" dirty="0"/>
+          </a:p>
+        </p:txBody>
+      </p:sp>
+      <p:sp>
+        <p:nvSpPr>
+          <p:cNvPr id="3" name="Tijdelijke aanduiding voor inhoud 2">
+            <a:extLst>
+              <a:ext uri="{FF2B5EF4-FFF2-40B4-BE49-F238E27FC236}">
+                <a16:creationId xmlns:a16="http://schemas.microsoft.com/office/drawing/2014/main" id="{67A05AAA-A5DD-4D60-A376-2FD64EC928E9}"/>
+              </a:ext>
+            </a:extLst>
+          </p:cNvPr>
+          <p:cNvSpPr>
+            <a:spLocks noGrp="1"/>
+          </p:cNvSpPr>
+          <p:nvPr>
+            <p:ph idx="1"/>
+          </p:nvPr>
+        </p:nvSpPr>
+        <p:spPr/>
+        <p:txBody>
+          <a:bodyPr/>
+          <a:lstStyle/>
+          <a:p>
+            <a:endParaRPr lang="nl-NL" dirty="0"/>
+          </a:p>
+        </p:txBody>
+      </p:sp>
+    </p:spTree>
+    <p:extLst>
+      <p:ext uri="{BB962C8B-B14F-4D97-AF65-F5344CB8AC3E}">
+        <p14:creationId xmlns:p14="http://schemas.microsoft.com/office/powerpoint/2010/main" val="2691737588"/>
       </p:ext>
     </p:extLst>
   </p:cSld>
